--- a/Aulas/Gestao de Projetos - Gestao Agil/PPT/Aula 05/Aula 05.pptx
+++ b/Aulas/Gestao de Projetos - Gestao Agil/PPT/Aula 05/Aula 05.pptx
@@ -271,7 +271,7 @@
           <a:p>
             <a:fld id="{8C28A28C-4C6A-46EA-90C0-4EE0B89CC5C7}" type="datetimeFigureOut">
               <a:rPr lang="en-US" smtClean="0"/>
-              <a:t>1/10/2024</a:t>
+              <a:t>4/3/2024</a:t>
             </a:fld>
             <a:endParaRPr lang="en-US" dirty="0"/>
           </a:p>
@@ -469,7 +469,7 @@
           <a:p>
             <a:fld id="{8C28A28C-4C6A-46EA-90C0-4EE0B89CC5C7}" type="datetimeFigureOut">
               <a:rPr lang="en-US" smtClean="0"/>
-              <a:t>1/10/2024</a:t>
+              <a:t>4/3/2024</a:t>
             </a:fld>
             <a:endParaRPr lang="en-US"/>
           </a:p>
@@ -677,7 +677,7 @@
           <a:p>
             <a:fld id="{8C28A28C-4C6A-46EA-90C0-4EE0B89CC5C7}" type="datetimeFigureOut">
               <a:rPr lang="en-US" smtClean="0"/>
-              <a:t>1/10/2024</a:t>
+              <a:t>4/3/2024</a:t>
             </a:fld>
             <a:endParaRPr lang="en-US"/>
           </a:p>
@@ -875,7 +875,7 @@
           <a:p>
             <a:fld id="{8C28A28C-4C6A-46EA-90C0-4EE0B89CC5C7}" type="datetimeFigureOut">
               <a:rPr lang="en-US" smtClean="0"/>
-              <a:t>1/10/2024</a:t>
+              <a:t>4/3/2024</a:t>
             </a:fld>
             <a:endParaRPr lang="en-US"/>
           </a:p>
@@ -1152,7 +1152,7 @@
           <a:p>
             <a:fld id="{8C28A28C-4C6A-46EA-90C0-4EE0B89CC5C7}" type="datetimeFigureOut">
               <a:rPr lang="en-US" smtClean="0"/>
-              <a:t>1/10/2024</a:t>
+              <a:t>4/3/2024</a:t>
             </a:fld>
             <a:endParaRPr lang="en-US"/>
           </a:p>
@@ -1417,7 +1417,7 @@
           <a:p>
             <a:fld id="{8C28A28C-4C6A-46EA-90C0-4EE0B89CC5C7}" type="datetimeFigureOut">
               <a:rPr lang="en-US" smtClean="0"/>
-              <a:t>1/10/2024</a:t>
+              <a:t>4/3/2024</a:t>
             </a:fld>
             <a:endParaRPr lang="en-US"/>
           </a:p>
@@ -1829,7 +1829,7 @@
           <a:p>
             <a:fld id="{8C28A28C-4C6A-46EA-90C0-4EE0B89CC5C7}" type="datetimeFigureOut">
               <a:rPr lang="en-US" smtClean="0"/>
-              <a:t>1/10/2024</a:t>
+              <a:t>4/3/2024</a:t>
             </a:fld>
             <a:endParaRPr lang="en-US"/>
           </a:p>
@@ -1970,7 +1970,7 @@
           <a:p>
             <a:fld id="{8C28A28C-4C6A-46EA-90C0-4EE0B89CC5C7}" type="datetimeFigureOut">
               <a:rPr lang="en-US" smtClean="0"/>
-              <a:t>1/10/2024</a:t>
+              <a:t>4/3/2024</a:t>
             </a:fld>
             <a:endParaRPr lang="en-US"/>
           </a:p>
@@ -2083,7 +2083,7 @@
           <a:p>
             <a:fld id="{8C28A28C-4C6A-46EA-90C0-4EE0B89CC5C7}" type="datetimeFigureOut">
               <a:rPr lang="en-US" smtClean="0"/>
-              <a:t>1/10/2024</a:t>
+              <a:t>4/3/2024</a:t>
             </a:fld>
             <a:endParaRPr lang="en-US"/>
           </a:p>
@@ -2396,7 +2396,7 @@
           <a:p>
             <a:fld id="{8C28A28C-4C6A-46EA-90C0-4EE0B89CC5C7}" type="datetimeFigureOut">
               <a:rPr lang="en-US" smtClean="0"/>
-              <a:t>1/10/2024</a:t>
+              <a:t>4/3/2024</a:t>
             </a:fld>
             <a:endParaRPr lang="en-US"/>
           </a:p>
@@ -2684,7 +2684,7 @@
           <a:p>
             <a:fld id="{8C28A28C-4C6A-46EA-90C0-4EE0B89CC5C7}" type="datetimeFigureOut">
               <a:rPr lang="en-US" smtClean="0"/>
-              <a:t>1/10/2024</a:t>
+              <a:t>4/3/2024</a:t>
             </a:fld>
             <a:endParaRPr lang="en-US"/>
           </a:p>
@@ -3039,7 +3039,7 @@
             <a:fld id="{8C28A28C-4C6A-46EA-90C0-4EE0B89CC5C7}" type="datetimeFigureOut">
               <a:rPr lang="en-US" smtClean="0"/>
               <a:pPr/>
-              <a:t>1/10/2024</a:t>
+              <a:t>4/3/2024</a:t>
             </a:fld>
             <a:endParaRPr lang="en-US" dirty="0"/>
           </a:p>
@@ -7710,13 +7710,13 @@
   <p:clrMapOvr>
     <a:masterClrMapping/>
   </p:clrMapOvr>
-  <mc:AlternateContent xmlns:mc="http://schemas.openxmlformats.org/markup-compatibility/2006">
-    <mc:Choice xmlns:p159="http://schemas.microsoft.com/office/powerpoint/2015/09/main" Requires="p159">
+  <mc:AlternateContent xmlns:mc="http://schemas.openxmlformats.org/markup-compatibility/2006" xmlns:p159="http://schemas.microsoft.com/office/powerpoint/2015/09/main">
+    <mc:Choice Requires="p159">
       <p:transition xmlns:p14="http://schemas.microsoft.com/office/powerpoint/2010/main" spd="slow" p14:dur="2000">
         <p159:morph option="byObject"/>
       </p:transition>
     </mc:Choice>
-    <mc:Fallback>
+    <mc:Fallback xmlns="">
       <p:transition spd="slow">
         <p:fade/>
       </p:transition>
@@ -8093,7 +8093,7 @@
           <p:nvPr>
             <p:extLst>
               <p:ext uri="{D42A27DB-BD31-4B8C-83A1-F6EECF244321}">
-                <p14:modId xmlns:p14="http://schemas.microsoft.com/office/powerpoint/2010/main" val="3465111149"/>
+                <p14:modId xmlns:p14="http://schemas.microsoft.com/office/powerpoint/2010/main" val="237452079"/>
               </p:ext>
             </p:extLst>
           </p:nvPr>
@@ -8223,7 +8223,7 @@
                     <a:p>
                       <a:pPr algn="ctr" fontAlgn="b"/>
                       <a:r>
-                        <a:rPr lang="pt-BR" sz="1600" b="1" cap="all" spc="60">
+                        <a:rPr lang="pt-BR" sz="1600" b="1" cap="all" spc="60" dirty="0">
                           <a:solidFill>
                             <a:schemeClr val="bg1"/>
                           </a:solidFill>
@@ -8302,7 +8302,7 @@
                     <a:p>
                       <a:pPr algn="ctr" fontAlgn="t"/>
                       <a:r>
-                        <a:rPr lang="pt-BR" sz="1400" cap="none" spc="0">
+                        <a:rPr lang="pt-BR" sz="1400" cap="none" spc="0" dirty="0">
                           <a:solidFill>
                             <a:schemeClr val="bg1"/>
                           </a:solidFill>
@@ -8386,14 +8386,14 @@
                     <a:p>
                       <a:pPr algn="ctr" fontAlgn="t"/>
                       <a:r>
-                        <a:rPr lang="pt-BR" sz="1400" cap="none" spc="0">
+                        <a:rPr lang="pt-BR" sz="1400" cap="none" spc="0" dirty="0">
                           <a:solidFill>
                             <a:schemeClr val="bg1"/>
                           </a:solidFill>
                           <a:effectLst/>
                           <a:latin typeface="OpenSans"/>
                         </a:rPr>
-                        <a:t>10</a:t>
+                        <a:t>10 </a:t>
                       </a:r>
                     </a:p>
                   </a:txBody>
@@ -8477,7 +8477,7 @@
                     <a:p>
                       <a:pPr algn="ctr" fontAlgn="t"/>
                       <a:r>
-                        <a:rPr lang="pt-BR" sz="1400" cap="none" spc="0">
+                        <a:rPr lang="pt-BR" sz="1400" cap="none" spc="0" dirty="0">
                           <a:solidFill>
                             <a:schemeClr val="bg1"/>
                           </a:solidFill>
@@ -8557,7 +8557,7 @@
                     <a:p>
                       <a:pPr algn="ctr" fontAlgn="t"/>
                       <a:r>
-                        <a:rPr lang="pt-BR" sz="1400" cap="none" spc="0">
+                        <a:rPr lang="pt-BR" sz="1400" cap="none" spc="0" dirty="0">
                           <a:solidFill>
                             <a:schemeClr val="bg1"/>
                           </a:solidFill>
@@ -8687,7 +8687,7 @@
                     <a:p>
                       <a:pPr algn="ctr" fontAlgn="t"/>
                       <a:r>
-                        <a:rPr lang="pt-BR" sz="1400" cap="none" spc="0">
+                        <a:rPr lang="pt-BR" sz="1400" cap="none" spc="0" dirty="0">
                           <a:solidFill>
                             <a:schemeClr val="bg1"/>
                           </a:solidFill>
@@ -8695,49 +8695,6 @@
                           <a:latin typeface="OpenSans"/>
                         </a:rPr>
                         <a:t>Projeto de Arquitetura</a:t>
-                      </a:r>
-                    </a:p>
-                  </a:txBody>
-                  <a:tcPr marL="35036" marR="35036" marT="17518" marB="78427" anchor="ctr">
-                    <a:lnL w="12700" cmpd="sng">
-                      <a:noFill/>
-                      <a:prstDash val="solid"/>
-                    </a:lnL>
-                    <a:lnR w="12700" cmpd="sng">
-                      <a:noFill/>
-                      <a:prstDash val="solid"/>
-                    </a:lnR>
-                    <a:lnT w="12700" cmpd="sng">
-                      <a:noFill/>
-                      <a:prstDash val="solid"/>
-                    </a:lnT>
-                    <a:lnB w="12700" cmpd="sng">
-                      <a:noFill/>
-                      <a:prstDash val="solid"/>
-                    </a:lnB>
-                    <a:solidFill>
-                      <a:schemeClr val="tx1">
-                        <a:lumMod val="65000"/>
-                        <a:lumOff val="35000"/>
-                      </a:schemeClr>
-                    </a:solidFill>
-                  </a:tcPr>
-                </a:tc>
-                <a:tc>
-                  <a:txBody>
-                    <a:bodyPr/>
-                    <a:lstStyle/>
-                    <a:p>
-                      <a:pPr algn="ctr" fontAlgn="t"/>
-                      <a:r>
-                        <a:rPr lang="pt-BR" sz="1400" cap="none" spc="0">
-                          <a:solidFill>
-                            <a:schemeClr val="bg1"/>
-                          </a:solidFill>
-                          <a:effectLst/>
-                          <a:latin typeface="OpenSans"/>
-                        </a:rPr>
-                        <a:t>20</a:t>
                       </a:r>
                     </a:p>
                   </a:txBody>
@@ -8780,7 +8737,50 @@
                           <a:effectLst/>
                           <a:latin typeface="OpenSans"/>
                         </a:rPr>
-                        <a:t>A, B</a:t>
+                        <a:t>20</a:t>
+                      </a:r>
+                    </a:p>
+                  </a:txBody>
+                  <a:tcPr marL="35036" marR="35036" marT="17518" marB="78427" anchor="ctr">
+                    <a:lnL w="12700" cmpd="sng">
+                      <a:noFill/>
+                      <a:prstDash val="solid"/>
+                    </a:lnL>
+                    <a:lnR w="12700" cmpd="sng">
+                      <a:noFill/>
+                      <a:prstDash val="solid"/>
+                    </a:lnR>
+                    <a:lnT w="12700" cmpd="sng">
+                      <a:noFill/>
+                      <a:prstDash val="solid"/>
+                    </a:lnT>
+                    <a:lnB w="12700" cmpd="sng">
+                      <a:noFill/>
+                      <a:prstDash val="solid"/>
+                    </a:lnB>
+                    <a:solidFill>
+                      <a:schemeClr val="tx1">
+                        <a:lumMod val="65000"/>
+                        <a:lumOff val="35000"/>
+                      </a:schemeClr>
+                    </a:solidFill>
+                  </a:tcPr>
+                </a:tc>
+                <a:tc>
+                  <a:txBody>
+                    <a:bodyPr/>
+                    <a:lstStyle/>
+                    <a:p>
+                      <a:pPr algn="ctr" fontAlgn="t"/>
+                      <a:r>
+                        <a:rPr lang="pt-BR" sz="1400" cap="none" spc="0" dirty="0">
+                          <a:solidFill>
+                            <a:schemeClr val="bg1"/>
+                          </a:solidFill>
+                          <a:effectLst/>
+                          <a:latin typeface="OpenSans"/>
+                        </a:rPr>
+                        <a:t>B</a:t>
                       </a:r>
                     </a:p>
                   </a:txBody>
